--- a/씨애랑_SW전시회_ppt.pptx
+++ b/씨애랑_SW전시회_ppt.pptx
@@ -7,6 +7,8 @@
   <p:sldIdLst>
     <p:sldId id="296" r:id="rId2"/>
     <p:sldId id="257" r:id="rId3"/>
+    <p:sldId id="297" r:id="rId4"/>
+    <p:sldId id="298" r:id="rId5"/>
   </p:sldIdLst>
   <p:sldSz cx="12192000" cy="6858000"/>
   <p:notesSz cx="6858000" cy="9144000"/>
@@ -116,7 +118,7 @@
 <file path=ppt/revisionInfo.xml><?xml version="1.0" encoding="utf-8"?>
 <p1510:revInfo xmlns:a="http://schemas.openxmlformats.org/drawingml/2006/main" xmlns:r="http://schemas.openxmlformats.org/officeDocument/2006/relationships" xmlns:p1510="http://schemas.microsoft.com/office/powerpoint/2015/10/main">
   <p1510:revLst>
-    <p1510:client id="{5F40FF03-9B54-42ED-A457-2A7FA8CFECB6}" v="32" dt="2022-07-20T19:24:26.728"/>
+    <p1510:client id="{5F40FF03-9B54-42ED-A457-2A7FA8CFECB6}" v="89" dt="2022-07-21T05:39:30.089"/>
   </p1510:revLst>
 </p1510:revInfo>
 </file>
@@ -125,19 +127,19 @@
 <pc:chgInfo xmlns:a="http://schemas.openxmlformats.org/drawingml/2006/main" xmlns:r="http://schemas.openxmlformats.org/officeDocument/2006/relationships" xmlns:ac="http://schemas.microsoft.com/office/drawing/2013/main/command" xmlns:pc="http://schemas.microsoft.com/office/powerpoint/2013/main/command">
   <pc:docChgLst>
     <pc:chgData name="YS Kim" userId="a361f9b1940b4031" providerId="LiveId" clId="{5F40FF03-9B54-42ED-A457-2A7FA8CFECB6}"/>
-    <pc:docChg chg="undo redo custSel delSld modSld">
-      <pc:chgData name="YS Kim" userId="a361f9b1940b4031" providerId="LiveId" clId="{5F40FF03-9B54-42ED-A457-2A7FA8CFECB6}" dt="2022-07-20T19:25:26.213" v="371" actId="47"/>
+    <pc:docChg chg="undo redo custSel addSld delSld modSld">
+      <pc:chgData name="YS Kim" userId="a361f9b1940b4031" providerId="LiveId" clId="{5F40FF03-9B54-42ED-A457-2A7FA8CFECB6}" dt="2022-07-21T05:39:30.089" v="1030"/>
       <pc:docMkLst>
         <pc:docMk/>
       </pc:docMkLst>
       <pc:sldChg chg="modSp mod">
-        <pc:chgData name="YS Kim" userId="a361f9b1940b4031" providerId="LiveId" clId="{5F40FF03-9B54-42ED-A457-2A7FA8CFECB6}" dt="2022-07-20T19:25:21.988" v="370" actId="207"/>
+        <pc:chgData name="YS Kim" userId="a361f9b1940b4031" providerId="LiveId" clId="{5F40FF03-9B54-42ED-A457-2A7FA8CFECB6}" dt="2022-07-21T04:32:15.105" v="847" actId="20577"/>
         <pc:sldMkLst>
           <pc:docMk/>
           <pc:sldMk cId="1796233546" sldId="257"/>
         </pc:sldMkLst>
         <pc:spChg chg="mod">
-          <ac:chgData name="YS Kim" userId="a361f9b1940b4031" providerId="LiveId" clId="{5F40FF03-9B54-42ED-A457-2A7FA8CFECB6}" dt="2022-07-20T19:25:21.988" v="370" actId="207"/>
+          <ac:chgData name="YS Kim" userId="a361f9b1940b4031" providerId="LiveId" clId="{5F40FF03-9B54-42ED-A457-2A7FA8CFECB6}" dt="2022-07-21T04:32:15.105" v="847" actId="20577"/>
           <ac:spMkLst>
             <pc:docMk/>
             <pc:sldMk cId="1796233546" sldId="257"/>
@@ -154,7 +156,7 @@
         </pc:spChg>
       </pc:sldChg>
       <pc:sldChg chg="modSp mod">
-        <pc:chgData name="YS Kim" userId="a361f9b1940b4031" providerId="LiveId" clId="{5F40FF03-9B54-42ED-A457-2A7FA8CFECB6}" dt="2022-07-20T17:41:40.102" v="156" actId="20577"/>
+        <pc:chgData name="YS Kim" userId="a361f9b1940b4031" providerId="LiveId" clId="{5F40FF03-9B54-42ED-A457-2A7FA8CFECB6}" dt="2022-07-21T04:32:34.217" v="868" actId="20577"/>
         <pc:sldMkLst>
           <pc:docMk/>
           <pc:sldMk cId="1446477845" sldId="296"/>
@@ -176,13 +178,131 @@
           </ac:spMkLst>
         </pc:spChg>
         <pc:spChg chg="mod">
-          <ac:chgData name="YS Kim" userId="a361f9b1940b4031" providerId="LiveId" clId="{5F40FF03-9B54-42ED-A457-2A7FA8CFECB6}" dt="2022-07-20T17:39:31.872" v="100" actId="20577"/>
+          <ac:chgData name="YS Kim" userId="a361f9b1940b4031" providerId="LiveId" clId="{5F40FF03-9B54-42ED-A457-2A7FA8CFECB6}" dt="2022-07-21T04:32:34.217" v="868" actId="20577"/>
           <ac:spMkLst>
             <pc:docMk/>
             <pc:sldMk cId="1446477845" sldId="296"/>
             <ac:spMk id="12" creationId="{DC0E4387-3292-1669-2699-1731208ED2AE}"/>
           </ac:spMkLst>
         </pc:spChg>
+      </pc:sldChg>
+      <pc:sldChg chg="addSp delSp modSp add mod">
+        <pc:chgData name="YS Kim" userId="a361f9b1940b4031" providerId="LiveId" clId="{5F40FF03-9B54-42ED-A457-2A7FA8CFECB6}" dt="2022-07-21T05:30:17.761" v="1013" actId="20577"/>
+        <pc:sldMkLst>
+          <pc:docMk/>
+          <pc:sldMk cId="2250441080" sldId="297"/>
+        </pc:sldMkLst>
+        <pc:spChg chg="del mod">
+          <ac:chgData name="YS Kim" userId="a361f9b1940b4031" providerId="LiveId" clId="{5F40FF03-9B54-42ED-A457-2A7FA8CFECB6}" dt="2022-07-21T04:27:12.156" v="378"/>
+          <ac:spMkLst>
+            <pc:docMk/>
+            <pc:sldMk cId="2250441080" sldId="297"/>
+            <ac:spMk id="2" creationId="{D54A201C-80D2-412B-9ACC-109129D0DB1B}"/>
+          </ac:spMkLst>
+        </pc:spChg>
+        <pc:spChg chg="mod">
+          <ac:chgData name="YS Kim" userId="a361f9b1940b4031" providerId="LiveId" clId="{5F40FF03-9B54-42ED-A457-2A7FA8CFECB6}" dt="2022-07-21T05:30:15.578" v="1010"/>
+          <ac:spMkLst>
+            <pc:docMk/>
+            <pc:sldMk cId="2250441080" sldId="297"/>
+            <ac:spMk id="9" creationId="{3CA1144B-556E-46A8-AC20-517F39654735}"/>
+          </ac:spMkLst>
+        </pc:spChg>
+        <pc:spChg chg="add del mod">
+          <ac:chgData name="YS Kim" userId="a361f9b1940b4031" providerId="LiveId" clId="{5F40FF03-9B54-42ED-A457-2A7FA8CFECB6}" dt="2022-07-21T04:30:06.111" v="639" actId="478"/>
+          <ac:spMkLst>
+            <pc:docMk/>
+            <pc:sldMk cId="2250441080" sldId="297"/>
+            <ac:spMk id="10" creationId="{02B2C89B-FA5A-3BC4-7614-617B654AE085}"/>
+          </ac:spMkLst>
+        </pc:spChg>
+        <pc:spChg chg="add mod">
+          <ac:chgData name="YS Kim" userId="a361f9b1940b4031" providerId="LiveId" clId="{5F40FF03-9B54-42ED-A457-2A7FA8CFECB6}" dt="2022-07-21T05:30:17.761" v="1013" actId="20577"/>
+          <ac:spMkLst>
+            <pc:docMk/>
+            <pc:sldMk cId="2250441080" sldId="297"/>
+            <ac:spMk id="12" creationId="{A3A14FAA-3FDF-1202-ABBF-A5933F01A6D1}"/>
+          </ac:spMkLst>
+        </pc:spChg>
+        <pc:picChg chg="add mod">
+          <ac:chgData name="YS Kim" userId="a361f9b1940b4031" providerId="LiveId" clId="{5F40FF03-9B54-42ED-A457-2A7FA8CFECB6}" dt="2022-07-21T04:27:33.287" v="384" actId="1076"/>
+          <ac:picMkLst>
+            <pc:docMk/>
+            <pc:sldMk cId="2250441080" sldId="297"/>
+            <ac:picMk id="4" creationId="{1918DE4F-63B0-7E73-8569-65C0ECAC5909}"/>
+          </ac:picMkLst>
+        </pc:picChg>
+      </pc:sldChg>
+      <pc:sldChg chg="addSp delSp modSp add mod">
+        <pc:chgData name="YS Kim" userId="a361f9b1940b4031" providerId="LiveId" clId="{5F40FF03-9B54-42ED-A457-2A7FA8CFECB6}" dt="2022-07-21T05:39:30.089" v="1030"/>
+        <pc:sldMkLst>
+          <pc:docMk/>
+          <pc:sldMk cId="1474804885" sldId="298"/>
+        </pc:sldMkLst>
+        <pc:spChg chg="add mod ord">
+          <ac:chgData name="YS Kim" userId="a361f9b1940b4031" providerId="LiveId" clId="{5F40FF03-9B54-42ED-A457-2A7FA8CFECB6}" dt="2022-07-21T05:11:15.345" v="913" actId="171"/>
+          <ac:spMkLst>
+            <pc:docMk/>
+            <pc:sldMk cId="1474804885" sldId="298"/>
+            <ac:spMk id="6" creationId="{FEB0E3FB-1BE9-492B-4B54-6D1BFAC22DCA}"/>
+          </ac:spMkLst>
+        </pc:spChg>
+        <pc:spChg chg="mod">
+          <ac:chgData name="YS Kim" userId="a361f9b1940b4031" providerId="LiveId" clId="{5F40FF03-9B54-42ED-A457-2A7FA8CFECB6}" dt="2022-07-21T05:30:08.584" v="985"/>
+          <ac:spMkLst>
+            <pc:docMk/>
+            <pc:sldMk cId="1474804885" sldId="298"/>
+            <ac:spMk id="9" creationId="{3CA1144B-556E-46A8-AC20-517F39654735}"/>
+          </ac:spMkLst>
+        </pc:spChg>
+        <pc:spChg chg="mod">
+          <ac:chgData name="YS Kim" userId="a361f9b1940b4031" providerId="LiveId" clId="{5F40FF03-9B54-42ED-A457-2A7FA8CFECB6}" dt="2022-07-21T05:39:30.089" v="1030"/>
+          <ac:spMkLst>
+            <pc:docMk/>
+            <pc:sldMk cId="1474804885" sldId="298"/>
+            <ac:spMk id="12" creationId="{A3A14FAA-3FDF-1202-ABBF-A5933F01A6D1}"/>
+          </ac:spMkLst>
+        </pc:spChg>
+        <pc:spChg chg="add mod">
+          <ac:chgData name="YS Kim" userId="a361f9b1940b4031" providerId="LiveId" clId="{5F40FF03-9B54-42ED-A457-2A7FA8CFECB6}" dt="2022-07-21T05:29:22.921" v="925" actId="1076"/>
+          <ac:spMkLst>
+            <pc:docMk/>
+            <pc:sldMk cId="1474804885" sldId="298"/>
+            <ac:spMk id="13" creationId="{CC6300A1-E31E-3B22-3114-9C5F1C2744C1}"/>
+          </ac:spMkLst>
+        </pc:spChg>
+        <pc:picChg chg="add del mod">
+          <ac:chgData name="YS Kim" userId="a361f9b1940b4031" providerId="LiveId" clId="{5F40FF03-9B54-42ED-A457-2A7FA8CFECB6}" dt="2022-07-21T05:28:44.651" v="916" actId="478"/>
+          <ac:picMkLst>
+            <pc:docMk/>
+            <pc:sldMk cId="1474804885" sldId="298"/>
+            <ac:picMk id="3" creationId="{9D1832CB-181A-CAA8-443B-FFA077A88DCF}"/>
+          </ac:picMkLst>
+        </pc:picChg>
+        <pc:picChg chg="del">
+          <ac:chgData name="YS Kim" userId="a361f9b1940b4031" providerId="LiveId" clId="{5F40FF03-9B54-42ED-A457-2A7FA8CFECB6}" dt="2022-07-21T05:10:27.040" v="903" actId="478"/>
+          <ac:picMkLst>
+            <pc:docMk/>
+            <pc:sldMk cId="1474804885" sldId="298"/>
+            <ac:picMk id="4" creationId="{1918DE4F-63B0-7E73-8569-65C0ECAC5909}"/>
+          </ac:picMkLst>
+        </pc:picChg>
+        <pc:picChg chg="add mod">
+          <ac:chgData name="YS Kim" userId="a361f9b1940b4031" providerId="LiveId" clId="{5F40FF03-9B54-42ED-A457-2A7FA8CFECB6}" dt="2022-07-21T05:29:01.248" v="920" actId="1076"/>
+          <ac:picMkLst>
+            <pc:docMk/>
+            <pc:sldMk cId="1474804885" sldId="298"/>
+            <ac:picMk id="8" creationId="{10FAD4E8-F214-B80B-A555-28AAF026FB5A}"/>
+          </ac:picMkLst>
+        </pc:picChg>
+        <pc:picChg chg="add mod">
+          <ac:chgData name="YS Kim" userId="a361f9b1940b4031" providerId="LiveId" clId="{5F40FF03-9B54-42ED-A457-2A7FA8CFECB6}" dt="2022-07-21T05:29:47.613" v="932" actId="14100"/>
+          <ac:picMkLst>
+            <pc:docMk/>
+            <pc:sldMk cId="1474804885" sldId="298"/>
+            <ac:picMk id="14" creationId="{E91337BC-7D85-C58A-E807-73A9101A59B3}"/>
+          </ac:picMkLst>
+        </pc:picChg>
       </pc:sldChg>
       <pc:sldChg chg="del">
         <pc:chgData name="YS Kim" userId="a361f9b1940b4031" providerId="LiveId" clId="{5F40FF03-9B54-42ED-A457-2A7FA8CFECB6}" dt="2022-07-20T19:25:26.213" v="371" actId="47"/>
@@ -3814,7 +3934,7 @@
                   <a:srgbClr val="00B0F0"/>
                 </a:solidFill>
               </a:rPr>
-              <a:t> 일기로 알아보는 감정 일지 앱 개발</a:t>
+              <a:t> 일기로 적어보는 감정 일지 앱 개발</a:t>
             </a:r>
             <a:endParaRPr lang="en-US" altLang="ko-KR" sz="1100" dirty="0">
               <a:solidFill>
@@ -4057,7 +4177,7 @@
         <p:spPr>
           <a:xfrm>
             <a:off x="543885" y="1160735"/>
-            <a:ext cx="11215723" cy="4390946"/>
+            <a:ext cx="11215723" cy="3467616"/>
           </a:xfrm>
           <a:prstGeom prst="rect">
             <a:avLst/>
@@ -4129,7 +4249,7 @@
                 <a:latin typeface="맑은 고딕" panose="020B0503020000020004" pitchFamily="50" charset="-127"/>
                 <a:cs typeface="Arial" panose="020B0604020202020204" pitchFamily="34" charset="0"/>
               </a:rPr>
-              <a:t>한 줄 일기장을 작성하여 달마다 분석된 감정에 대해 알아볼 수 있는 앱</a:t>
+              <a:t>한 줄 일기장으로 나의 감정 변화를 알아볼 수 있는 앱</a:t>
             </a:r>
             <a:r>
               <a:rPr lang="en-US" altLang="ko-KR" kern="0" dirty="0">
@@ -4220,6 +4340,17 @@
               </a:rPr>
               <a:t>  -   Android</a:t>
             </a:r>
+          </a:p>
+          <a:p>
+            <a:pPr lvl="0" latinLnBrk="0">
+              <a:spcBef>
+                <a:spcPts val="600"/>
+              </a:spcBef>
+              <a:buClr>
+                <a:srgbClr val="000000"/>
+              </a:buClr>
+              <a:buSzPts val="1100"/>
+            </a:pPr>
             <a:endParaRPr lang="ko-KR" altLang="ko-KR" sz="1200" kern="100" dirty="0">
               <a:solidFill>
                 <a:srgbClr val="00B0F0"/>
@@ -4396,7 +4527,42 @@
                 <a:ea typeface="맑은 고딕" panose="020B0503020000020004" pitchFamily="50" charset="-127"/>
                 <a:cs typeface="맑은 고딕" panose="020B0503020000020004" pitchFamily="50" charset="-127"/>
               </a:rPr>
-              <a:t>서버를 통해 제공 또는</a:t>
+              <a:t>서버</a:t>
+            </a:r>
+            <a:r>
+              <a:rPr lang="ko-KR" altLang="en-US" sz="1800" kern="0" dirty="0">
+                <a:solidFill>
+                  <a:srgbClr val="00B0F0"/>
+                </a:solidFill>
+                <a:effectLst/>
+                <a:latin typeface="Calibri" panose="020F0502020204030204" pitchFamily="34" charset="0"/>
+                <a:ea typeface="맑은 고딕" panose="020B0503020000020004" pitchFamily="50" charset="-127"/>
+                <a:cs typeface="맑은 고딕" panose="020B0503020000020004" pitchFamily="50" charset="-127"/>
+              </a:rPr>
+              <a:t>에서 처리하여</a:t>
+            </a:r>
+            <a:r>
+              <a:rPr lang="ko-KR" altLang="ko-KR" sz="1800" kern="0" dirty="0">
+                <a:solidFill>
+                  <a:srgbClr val="00B0F0"/>
+                </a:solidFill>
+                <a:effectLst/>
+                <a:latin typeface="Calibri" panose="020F0502020204030204" pitchFamily="34" charset="0"/>
+                <a:ea typeface="맑은 고딕" panose="020B0503020000020004" pitchFamily="50" charset="-127"/>
+                <a:cs typeface="맑은 고딕" panose="020B0503020000020004" pitchFamily="50" charset="-127"/>
+              </a:rPr>
+              <a:t> 제공</a:t>
+            </a:r>
+            <a:r>
+              <a:rPr lang="ko-KR" altLang="en-US" kern="0" dirty="0">
+                <a:solidFill>
+                  <a:srgbClr val="00B0F0"/>
+                </a:solidFill>
+                <a:latin typeface="Calibri" panose="020F0502020204030204" pitchFamily="34" charset="0"/>
+                <a:ea typeface="맑은 고딕" panose="020B0503020000020004" pitchFamily="50" charset="-127"/>
+                <a:cs typeface="맑은 고딕" panose="020B0503020000020004" pitchFamily="50" charset="-127"/>
+              </a:rPr>
+              <a:t> 또는</a:t>
             </a:r>
             <a:r>
               <a:rPr lang="en-US" altLang="ko-KR" sz="1800" kern="0" dirty="0">
@@ -4456,7 +4622,31 @@
                 <a:ea typeface="맑은 고딕" panose="020B0503020000020004" pitchFamily="50" charset="-127"/>
                 <a:cs typeface="맑은 고딕" panose="020B0503020000020004" pitchFamily="50" charset="-127"/>
               </a:rPr>
-              <a:t>를 사용하여 제공</a:t>
+              <a:t>를 사용하여 </a:t>
+            </a:r>
+            <a:r>
+              <a:rPr lang="ko-KR" altLang="en-US" sz="1800" kern="0" dirty="0">
+                <a:solidFill>
+                  <a:srgbClr val="00B0F0"/>
+                </a:solidFill>
+                <a:effectLst/>
+                <a:latin typeface="Calibri" panose="020F0502020204030204" pitchFamily="34" charset="0"/>
+                <a:ea typeface="맑은 고딕" panose="020B0503020000020004" pitchFamily="50" charset="-127"/>
+                <a:cs typeface="맑은 고딕" panose="020B0503020000020004" pitchFamily="50" charset="-127"/>
+              </a:rPr>
+              <a:t>기기 자체에서 처리하여 </a:t>
+            </a:r>
+            <a:r>
+              <a:rPr lang="ko-KR" altLang="ko-KR" sz="1800" kern="0" dirty="0">
+                <a:solidFill>
+                  <a:srgbClr val="00B0F0"/>
+                </a:solidFill>
+                <a:effectLst/>
+                <a:latin typeface="Calibri" panose="020F0502020204030204" pitchFamily="34" charset="0"/>
+                <a:ea typeface="맑은 고딕" panose="020B0503020000020004" pitchFamily="50" charset="-127"/>
+                <a:cs typeface="맑은 고딕" panose="020B0503020000020004" pitchFamily="50" charset="-127"/>
+              </a:rPr>
+              <a:t>제공</a:t>
             </a:r>
             <a:endParaRPr lang="ko-KR" altLang="ko-KR" sz="1800" kern="100" dirty="0">
               <a:solidFill>
@@ -4468,22 +4658,243 @@
               <a:cs typeface="바탕" panose="02030600000101010101" pitchFamily="18" charset="-127"/>
             </a:endParaRPr>
           </a:p>
-          <a:p>
-            <a:pPr marL="190500" marR="186055" indent="12700" latinLnBrk="0">
+        </p:txBody>
+      </p:sp>
+    </p:spTree>
+    <p:extLst>
+      <p:ext uri="{BB962C8B-B14F-4D97-AF65-F5344CB8AC3E}">
+        <p14:creationId xmlns:p14="http://schemas.microsoft.com/office/powerpoint/2010/main" val="1796233546"/>
+      </p:ext>
+    </p:extLst>
+  </p:cSld>
+  <p:clrMapOvr>
+    <a:masterClrMapping/>
+  </p:clrMapOvr>
+</p:sld>
+</file>
+
+<file path=ppt/slides/slide3.xml><?xml version="1.0" encoding="utf-8"?>
+<p:sld xmlns:a="http://schemas.openxmlformats.org/drawingml/2006/main" xmlns:r="http://schemas.openxmlformats.org/officeDocument/2006/relationships" xmlns:p="http://schemas.openxmlformats.org/presentationml/2006/main">
+  <p:cSld>
+    <p:spTree>
+      <p:nvGrpSpPr>
+        <p:cNvPr id="1" name=""/>
+        <p:cNvGrpSpPr/>
+        <p:nvPr/>
+      </p:nvGrpSpPr>
+      <p:grpSpPr>
+        <a:xfrm>
+          <a:off x="0" y="0"/>
+          <a:ext cx="0" cy="0"/>
+          <a:chOff x="0" y="0"/>
+          <a:chExt cx="0" cy="0"/>
+        </a:xfrm>
+      </p:grpSpPr>
+      <p:cxnSp>
+        <p:nvCxnSpPr>
+          <p:cNvPr id="5" name="직선 연결선 4">
+            <a:extLst>
+              <a:ext uri="{FF2B5EF4-FFF2-40B4-BE49-F238E27FC236}">
+                <a16:creationId xmlns:a16="http://schemas.microsoft.com/office/drawing/2014/main" id="{C62FA2ED-E79E-4144-824C-5BA3DAFB5038}"/>
+              </a:ext>
+            </a:extLst>
+          </p:cNvPr>
+          <p:cNvCxnSpPr/>
+          <p:nvPr/>
+        </p:nvCxnSpPr>
+        <p:spPr>
+          <a:xfrm>
+            <a:off x="610999" y="977441"/>
+            <a:ext cx="9991288" cy="0"/>
+          </a:xfrm>
+          <a:prstGeom prst="line">
+            <a:avLst/>
+          </a:prstGeom>
+          <a:ln w="38100">
+            <a:solidFill>
+              <a:srgbClr val="00B0F0"/>
+            </a:solidFill>
+          </a:ln>
+        </p:spPr>
+        <p:style>
+          <a:lnRef idx="1">
+            <a:schemeClr val="accent1"/>
+          </a:lnRef>
+          <a:fillRef idx="0">
+            <a:schemeClr val="accent1"/>
+          </a:fillRef>
+          <a:effectRef idx="0">
+            <a:schemeClr val="accent1"/>
+          </a:effectRef>
+          <a:fontRef idx="minor">
+            <a:schemeClr val="tx1"/>
+          </a:fontRef>
+        </p:style>
+      </p:cxnSp>
+      <p:sp>
+        <p:nvSpPr>
+          <p:cNvPr id="9" name="TextBox 8">
+            <a:extLst>
+              <a:ext uri="{FF2B5EF4-FFF2-40B4-BE49-F238E27FC236}">
+                <a16:creationId xmlns:a16="http://schemas.microsoft.com/office/drawing/2014/main" id="{3CA1144B-556E-46A8-AC20-517F39654735}"/>
+              </a:ext>
+            </a:extLst>
+          </p:cNvPr>
+          <p:cNvSpPr txBox="1"/>
+          <p:nvPr/>
+        </p:nvSpPr>
+        <p:spPr>
+          <a:xfrm>
+            <a:off x="543886" y="198324"/>
+            <a:ext cx="9128620" cy="784830"/>
+          </a:xfrm>
+          <a:prstGeom prst="rect">
+            <a:avLst/>
+          </a:prstGeom>
+          <a:noFill/>
+        </p:spPr>
+        <p:txBody>
+          <a:bodyPr wrap="square" rtlCol="0">
+            <a:spAutoFit/>
+          </a:bodyPr>
+          <a:lstStyle/>
+          <a:p>
+            <a:r>
+              <a:rPr lang="ko-KR" altLang="en-US" sz="4500" dirty="0">
+                <a:solidFill>
+                  <a:srgbClr val="00B0F0"/>
+                </a:solidFill>
+              </a:rPr>
+              <a:t>감정 일기 </a:t>
+            </a:r>
+            <a:r>
+              <a:rPr lang="en-US" altLang="ko-KR" sz="4500" dirty="0">
+                <a:solidFill>
+                  <a:srgbClr val="00B0F0"/>
+                </a:solidFill>
+              </a:rPr>
+              <a:t>– </a:t>
+            </a:r>
+            <a:r>
+              <a:rPr lang="ko-KR" altLang="en-US" sz="4500" dirty="0">
+                <a:solidFill>
+                  <a:srgbClr val="00B0F0"/>
+                </a:solidFill>
+              </a:rPr>
+              <a:t>진행 상황</a:t>
+            </a:r>
+          </a:p>
+        </p:txBody>
+      </p:sp>
+      <p:pic>
+        <p:nvPicPr>
+          <p:cNvPr id="11" name="Picture 2" descr="한림대학교Hallym University - YouTube">
+            <a:extLst>
+              <a:ext uri="{FF2B5EF4-FFF2-40B4-BE49-F238E27FC236}">
+                <a16:creationId xmlns:a16="http://schemas.microsoft.com/office/drawing/2014/main" id="{1A999C35-3AAE-4FDE-8420-551C2A1C44C9}"/>
+              </a:ext>
+            </a:extLst>
+          </p:cNvPr>
+          <p:cNvPicPr>
+            <a:picLocks noChangeAspect="1" noChangeArrowheads="1"/>
+          </p:cNvPicPr>
+          <p:nvPr/>
+        </p:nvPicPr>
+        <p:blipFill>
+          <a:blip r:embed="rId2">
+            <a:extLst>
+              <a:ext uri="{28A0092B-C50C-407E-A947-70E740481C1C}">
+                <a14:useLocalDpi xmlns:a14="http://schemas.microsoft.com/office/drawing/2010/main" val="0"/>
+              </a:ext>
+            </a:extLst>
+          </a:blip>
+          <a:srcRect/>
+          <a:stretch>
+            <a:fillRect/>
+          </a:stretch>
+        </p:blipFill>
+        <p:spPr bwMode="auto">
+          <a:xfrm>
+            <a:off x="11274805" y="0"/>
+            <a:ext cx="917196" cy="917196"/>
+          </a:xfrm>
+          <a:prstGeom prst="rect">
+            <a:avLst/>
+          </a:prstGeom>
+          <a:noFill/>
+          <a:extLst>
+            <a:ext uri="{909E8E84-426E-40DD-AFC4-6F175D3DCCD1}">
+              <a14:hiddenFill xmlns:a14="http://schemas.microsoft.com/office/drawing/2010/main">
+                <a:solidFill>
+                  <a:srgbClr val="FFFFFF"/>
+                </a:solidFill>
+              </a14:hiddenFill>
+            </a:ext>
+          </a:extLst>
+        </p:spPr>
+      </p:pic>
+      <p:pic>
+        <p:nvPicPr>
+          <p:cNvPr id="4" name="그림 3">
+            <a:extLst>
+              <a:ext uri="{FF2B5EF4-FFF2-40B4-BE49-F238E27FC236}">
+                <a16:creationId xmlns:a16="http://schemas.microsoft.com/office/drawing/2014/main" id="{1918DE4F-63B0-7E73-8569-65C0ECAC5909}"/>
+              </a:ext>
+            </a:extLst>
+          </p:cNvPr>
+          <p:cNvPicPr>
+            <a:picLocks noChangeAspect="1"/>
+          </p:cNvPicPr>
+          <p:nvPr/>
+        </p:nvPicPr>
+        <p:blipFill>
+          <a:blip r:embed="rId3"/>
+          <a:stretch>
+            <a:fillRect/>
+          </a:stretch>
+        </p:blipFill>
+        <p:spPr>
+          <a:xfrm>
+            <a:off x="1088020" y="1345401"/>
+            <a:ext cx="9225023" cy="2065153"/>
+          </a:xfrm>
+          <a:prstGeom prst="rect">
+            <a:avLst/>
+          </a:prstGeom>
+        </p:spPr>
+      </p:pic>
+      <p:sp>
+        <p:nvSpPr>
+          <p:cNvPr id="12" name="직사각형 11">
+            <a:extLst>
+              <a:ext uri="{FF2B5EF4-FFF2-40B4-BE49-F238E27FC236}">
+                <a16:creationId xmlns:a16="http://schemas.microsoft.com/office/drawing/2014/main" id="{A3A14FAA-3FDF-1202-ABBF-A5933F01A6D1}"/>
+              </a:ext>
+            </a:extLst>
+          </p:cNvPr>
+          <p:cNvSpPr/>
+          <p:nvPr/>
+        </p:nvSpPr>
+        <p:spPr>
+          <a:xfrm>
+            <a:off x="1032148" y="3772801"/>
+            <a:ext cx="9336765" cy="856645"/>
+          </a:xfrm>
+          <a:prstGeom prst="rect">
+            <a:avLst/>
+          </a:prstGeom>
+        </p:spPr>
+        <p:txBody>
+          <a:bodyPr wrap="square">
+            <a:spAutoFit/>
+          </a:bodyPr>
+          <a:lstStyle/>
+          <a:p>
+            <a:pPr marL="198755" latinLnBrk="0">
               <a:spcBef>
-                <a:spcPts val="220"/>
+                <a:spcPts val="2205"/>
               </a:spcBef>
             </a:pPr>
-            <a:r>
-              <a:rPr lang="en-US" altLang="ko-KR" kern="0" dirty="0">
-                <a:solidFill>
-                  <a:srgbClr val="00B0F0"/>
-                </a:solidFill>
-                <a:latin typeface="맑은 고딕" panose="020B0503020000020004" pitchFamily="50" charset="-127"/>
-                <a:cs typeface="맑은 고딕" panose="020B0503020000020004" pitchFamily="50" charset="-127"/>
-              </a:rPr>
-              <a:t> </a:t>
-            </a:r>
             <a:endParaRPr lang="ko-KR" altLang="ko-KR" sz="1200" kern="100" dirty="0">
               <a:solidFill>
                 <a:srgbClr val="00B0F0"/>
@@ -4493,85 +4904,89 @@
             </a:endParaRPr>
           </a:p>
           <a:p>
-            <a:pPr marL="190500" marR="186055" indent="12700" latinLnBrk="0">
+            <a:pPr marL="342900" marR="186055" lvl="0" indent="-342900" algn="l" latinLnBrk="0">
               <a:spcBef>
                 <a:spcPts val="220"/>
               </a:spcBef>
-            </a:pPr>
-            <a:r>
-              <a:rPr lang="ko-KR" altLang="ko-KR" kern="0" dirty="0">
-                <a:solidFill>
-                  <a:srgbClr val="00B0F0"/>
-                </a:solidFill>
-                <a:latin typeface="Calibri" panose="020F0502020204030204" pitchFamily="34" charset="0"/>
-                <a:cs typeface="맑은 고딕" panose="020B0503020000020004" pitchFamily="50" charset="-127"/>
-              </a:rPr>
-              <a:t>진행 상황</a:t>
-            </a:r>
-            <a:endParaRPr lang="ko-KR" altLang="ko-KR" sz="1200" kern="100" dirty="0">
-              <a:solidFill>
-                <a:srgbClr val="00B0F0"/>
-              </a:solidFill>
-              <a:latin typeface="Calibri" panose="020F0502020204030204" pitchFamily="34" charset="0"/>
-              <a:cs typeface="Times New Roman" panose="02020603050405020304" pitchFamily="18" charset="0"/>
-            </a:endParaRPr>
-          </a:p>
-          <a:p>
-            <a:pPr marL="190500" marR="186055" indent="12700" latinLnBrk="0">
-              <a:spcBef>
-                <a:spcPts val="220"/>
-              </a:spcBef>
-            </a:pPr>
-            <a:r>
-              <a:rPr lang="en-US" altLang="ko-KR" kern="0" dirty="0">
-                <a:solidFill>
-                  <a:srgbClr val="00B0F0"/>
-                </a:solidFill>
-                <a:latin typeface="맑은 고딕" panose="020B0503020000020004" pitchFamily="50" charset="-127"/>
-                <a:cs typeface="Times New Roman" panose="02020603050405020304" pitchFamily="18" charset="0"/>
-              </a:rPr>
-              <a:t> </a:t>
-            </a:r>
-            <a:endParaRPr lang="ko-KR" altLang="ko-KR" sz="1200" kern="100" dirty="0">
-              <a:solidFill>
-                <a:srgbClr val="00B0F0"/>
-              </a:solidFill>
-              <a:latin typeface="Calibri" panose="020F0502020204030204" pitchFamily="34" charset="0"/>
-              <a:cs typeface="Times New Roman" panose="02020603050405020304" pitchFamily="18" charset="0"/>
-            </a:endParaRPr>
-          </a:p>
-          <a:p>
-            <a:pPr marL="342900" lvl="0" indent="-342900" algn="just" latinLnBrk="1">
+              <a:spcAft>
+                <a:spcPts val="0"/>
+              </a:spcAft>
               <a:buClr>
                 <a:srgbClr val="000000"/>
               </a:buClr>
               <a:buSzPts val="1100"/>
-              <a:buFont typeface="Arial" panose="020B0604020202020204" pitchFamily="34" charset="0"/>
+              <a:buFont typeface="바탕" panose="02030600000101010101" pitchFamily="18" charset="-127"/>
               <a:buChar char="-"/>
             </a:pPr>
             <a:r>
-              <a:rPr lang="en-US" altLang="ko-KR" sz="1800" kern="100" dirty="0">
-                <a:solidFill>
-                  <a:srgbClr val="00B0F0"/>
-                </a:solidFill>
-                <a:effectLst/>
-                <a:latin typeface="맑은 고딕" panose="020B0503020000020004" pitchFamily="50" charset="-127"/>
-                <a:ea typeface="Times New Roman" panose="02020603050405020304" pitchFamily="18" charset="0"/>
-                <a:cs typeface="Times New Roman" panose="02020603050405020304" pitchFamily="18" charset="0"/>
-              </a:rPr>
-              <a:t>AI Hub</a:t>
-            </a:r>
-            <a:r>
-              <a:rPr lang="ko-KR" altLang="ko-KR" sz="1800" kern="100" dirty="0">
+              <a:rPr lang="en-US" altLang="ko-KR" sz="1800" kern="0" dirty="0">
                 <a:solidFill>
                   <a:srgbClr val="00B0F0"/>
                 </a:solidFill>
                 <a:effectLst/>
                 <a:latin typeface="Calibri" panose="020F0502020204030204" pitchFamily="34" charset="0"/>
                 <a:ea typeface="맑은 고딕" panose="020B0503020000020004" pitchFamily="50" charset="-127"/>
-                <a:cs typeface="Times New Roman" panose="02020603050405020304" pitchFamily="18" charset="0"/>
+                <a:cs typeface="맑은 고딕" panose="020B0503020000020004" pitchFamily="50" charset="-127"/>
               </a:rPr>
-              <a:t>에서 제공 중인 자연어 데이터 사용에 대해 알아보는 중</a:t>
+              <a:t>AI hub</a:t>
+            </a:r>
+            <a:r>
+              <a:rPr lang="ko-KR" altLang="en-US" sz="1800" kern="0" dirty="0">
+                <a:solidFill>
+                  <a:srgbClr val="00B0F0"/>
+                </a:solidFill>
+                <a:effectLst/>
+                <a:latin typeface="Calibri" panose="020F0502020204030204" pitchFamily="34" charset="0"/>
+                <a:ea typeface="맑은 고딕" panose="020B0503020000020004" pitchFamily="50" charset="-127"/>
+                <a:cs typeface="맑은 고딕" panose="020B0503020000020004" pitchFamily="50" charset="-127"/>
+              </a:rPr>
+              <a:t>에서 제공중인 </a:t>
+            </a:r>
+            <a:r>
+              <a:rPr lang="en-US" altLang="ko-KR" sz="1800" kern="0" dirty="0">
+                <a:solidFill>
+                  <a:srgbClr val="00B0F0"/>
+                </a:solidFill>
+                <a:effectLst/>
+                <a:latin typeface="Calibri" panose="020F0502020204030204" pitchFamily="34" charset="0"/>
+                <a:ea typeface="맑은 고딕" panose="020B0503020000020004" pitchFamily="50" charset="-127"/>
+                <a:cs typeface="맑은 고딕" panose="020B0503020000020004" pitchFamily="50" charset="-127"/>
+              </a:rPr>
+              <a:t>“</a:t>
+            </a:r>
+            <a:r>
+              <a:rPr lang="ko-KR" altLang="en-US" sz="1800" kern="0" dirty="0">
+                <a:solidFill>
+                  <a:srgbClr val="00B0F0"/>
+                </a:solidFill>
+                <a:effectLst/>
+                <a:latin typeface="Calibri" panose="020F0502020204030204" pitchFamily="34" charset="0"/>
+                <a:ea typeface="맑은 고딕" panose="020B0503020000020004" pitchFamily="50" charset="-127"/>
+                <a:cs typeface="맑은 고딕" panose="020B0503020000020004" pitchFamily="50" charset="-127"/>
+              </a:rPr>
+              <a:t>한국어 감정 정보가 포함된 단발성 대화 데이터셋</a:t>
+            </a:r>
+            <a:r>
+              <a:rPr lang="en-US" altLang="ko-KR" kern="0" dirty="0">
+                <a:solidFill>
+                  <a:srgbClr val="00B0F0"/>
+                </a:solidFill>
+                <a:latin typeface="Calibri" panose="020F0502020204030204" pitchFamily="34" charset="0"/>
+                <a:ea typeface="맑은 고딕" panose="020B0503020000020004" pitchFamily="50" charset="-127"/>
+                <a:cs typeface="맑은 고딕" panose="020B0503020000020004" pitchFamily="50" charset="-127"/>
+              </a:rPr>
+              <a:t>”</a:t>
+            </a:r>
+            <a:r>
+              <a:rPr lang="ko-KR" altLang="en-US" kern="0" dirty="0">
+                <a:solidFill>
+                  <a:srgbClr val="00B0F0"/>
+                </a:solidFill>
+                <a:latin typeface="Calibri" panose="020F0502020204030204" pitchFamily="34" charset="0"/>
+                <a:ea typeface="맑은 고딕" panose="020B0503020000020004" pitchFamily="50" charset="-127"/>
+                <a:cs typeface="맑은 고딕" panose="020B0503020000020004" pitchFamily="50" charset="-127"/>
+              </a:rPr>
+              <a:t>을 학습 데이터로 사용하기로 결정</a:t>
             </a:r>
             <a:endParaRPr lang="ko-KR" altLang="ko-KR" sz="1800" kern="100" dirty="0">
               <a:solidFill>
@@ -4579,8 +4994,8 @@
               </a:solidFill>
               <a:effectLst/>
               <a:latin typeface="Calibri" panose="020F0502020204030204" pitchFamily="34" charset="0"/>
-              <a:ea typeface="Times New Roman" panose="02020603050405020304" pitchFamily="18" charset="0"/>
-              <a:cs typeface="Times New Roman" panose="02020603050405020304" pitchFamily="18" charset="0"/>
+              <a:ea typeface="맑은 고딕" panose="020B0503020000020004" pitchFamily="50" charset="-127"/>
+              <a:cs typeface="바탕" panose="02030600000101010101" pitchFamily="18" charset="-127"/>
             </a:endParaRPr>
           </a:p>
         </p:txBody>
@@ -4588,7 +5003,447 @@
     </p:spTree>
     <p:extLst>
       <p:ext uri="{BB962C8B-B14F-4D97-AF65-F5344CB8AC3E}">
-        <p14:creationId xmlns:p14="http://schemas.microsoft.com/office/powerpoint/2010/main" val="1796233546"/>
+        <p14:creationId xmlns:p14="http://schemas.microsoft.com/office/powerpoint/2010/main" val="2250441080"/>
+      </p:ext>
+    </p:extLst>
+  </p:cSld>
+  <p:clrMapOvr>
+    <a:masterClrMapping/>
+  </p:clrMapOvr>
+</p:sld>
+</file>
+
+<file path=ppt/slides/slide4.xml><?xml version="1.0" encoding="utf-8"?>
+<p:sld xmlns:a="http://schemas.openxmlformats.org/drawingml/2006/main" xmlns:r="http://schemas.openxmlformats.org/officeDocument/2006/relationships" xmlns:p="http://schemas.openxmlformats.org/presentationml/2006/main">
+  <p:cSld>
+    <p:spTree>
+      <p:nvGrpSpPr>
+        <p:cNvPr id="1" name=""/>
+        <p:cNvGrpSpPr/>
+        <p:nvPr/>
+      </p:nvGrpSpPr>
+      <p:grpSpPr>
+        <a:xfrm>
+          <a:off x="0" y="0"/>
+          <a:ext cx="0" cy="0"/>
+          <a:chOff x="0" y="0"/>
+          <a:chExt cx="0" cy="0"/>
+        </a:xfrm>
+      </p:grpSpPr>
+      <p:cxnSp>
+        <p:nvCxnSpPr>
+          <p:cNvPr id="5" name="직선 연결선 4">
+            <a:extLst>
+              <a:ext uri="{FF2B5EF4-FFF2-40B4-BE49-F238E27FC236}">
+                <a16:creationId xmlns:a16="http://schemas.microsoft.com/office/drawing/2014/main" id="{C62FA2ED-E79E-4144-824C-5BA3DAFB5038}"/>
+              </a:ext>
+            </a:extLst>
+          </p:cNvPr>
+          <p:cNvCxnSpPr/>
+          <p:nvPr/>
+        </p:nvCxnSpPr>
+        <p:spPr>
+          <a:xfrm>
+            <a:off x="610999" y="977441"/>
+            <a:ext cx="9991288" cy="0"/>
+          </a:xfrm>
+          <a:prstGeom prst="line">
+            <a:avLst/>
+          </a:prstGeom>
+          <a:ln w="38100">
+            <a:solidFill>
+              <a:srgbClr val="00B0F0"/>
+            </a:solidFill>
+          </a:ln>
+        </p:spPr>
+        <p:style>
+          <a:lnRef idx="1">
+            <a:schemeClr val="accent1"/>
+          </a:lnRef>
+          <a:fillRef idx="0">
+            <a:schemeClr val="accent1"/>
+          </a:fillRef>
+          <a:effectRef idx="0">
+            <a:schemeClr val="accent1"/>
+          </a:effectRef>
+          <a:fontRef idx="minor">
+            <a:schemeClr val="tx1"/>
+          </a:fontRef>
+        </p:style>
+      </p:cxnSp>
+      <p:sp>
+        <p:nvSpPr>
+          <p:cNvPr id="9" name="TextBox 8">
+            <a:extLst>
+              <a:ext uri="{FF2B5EF4-FFF2-40B4-BE49-F238E27FC236}">
+                <a16:creationId xmlns:a16="http://schemas.microsoft.com/office/drawing/2014/main" id="{3CA1144B-556E-46A8-AC20-517F39654735}"/>
+              </a:ext>
+            </a:extLst>
+          </p:cNvPr>
+          <p:cNvSpPr txBox="1"/>
+          <p:nvPr/>
+        </p:nvSpPr>
+        <p:spPr>
+          <a:xfrm>
+            <a:off x="543886" y="198324"/>
+            <a:ext cx="9128620" cy="784830"/>
+          </a:xfrm>
+          <a:prstGeom prst="rect">
+            <a:avLst/>
+          </a:prstGeom>
+          <a:noFill/>
+        </p:spPr>
+        <p:txBody>
+          <a:bodyPr wrap="square" rtlCol="0">
+            <a:spAutoFit/>
+          </a:bodyPr>
+          <a:lstStyle/>
+          <a:p>
+            <a:r>
+              <a:rPr lang="ko-KR" altLang="en-US" sz="4500" dirty="0">
+                <a:solidFill>
+                  <a:srgbClr val="00B0F0"/>
+                </a:solidFill>
+              </a:rPr>
+              <a:t>감정 일기 </a:t>
+            </a:r>
+            <a:r>
+              <a:rPr lang="en-US" altLang="ko-KR" sz="4500" dirty="0">
+                <a:solidFill>
+                  <a:srgbClr val="00B0F0"/>
+                </a:solidFill>
+              </a:rPr>
+              <a:t>– </a:t>
+            </a:r>
+            <a:r>
+              <a:rPr lang="ko-KR" altLang="en-US" sz="4500" dirty="0">
+                <a:solidFill>
+                  <a:srgbClr val="00B0F0"/>
+                </a:solidFill>
+              </a:rPr>
+              <a:t>진행 상황</a:t>
+            </a:r>
+          </a:p>
+        </p:txBody>
+      </p:sp>
+      <p:pic>
+        <p:nvPicPr>
+          <p:cNvPr id="11" name="Picture 2" descr="한림대학교Hallym University - YouTube">
+            <a:extLst>
+              <a:ext uri="{FF2B5EF4-FFF2-40B4-BE49-F238E27FC236}">
+                <a16:creationId xmlns:a16="http://schemas.microsoft.com/office/drawing/2014/main" id="{1A999C35-3AAE-4FDE-8420-551C2A1C44C9}"/>
+              </a:ext>
+            </a:extLst>
+          </p:cNvPr>
+          <p:cNvPicPr>
+            <a:picLocks noChangeAspect="1" noChangeArrowheads="1"/>
+          </p:cNvPicPr>
+          <p:nvPr/>
+        </p:nvPicPr>
+        <p:blipFill>
+          <a:blip r:embed="rId2">
+            <a:extLst>
+              <a:ext uri="{28A0092B-C50C-407E-A947-70E740481C1C}">
+                <a14:useLocalDpi xmlns:a14="http://schemas.microsoft.com/office/drawing/2010/main" val="0"/>
+              </a:ext>
+            </a:extLst>
+          </a:blip>
+          <a:srcRect/>
+          <a:stretch>
+            <a:fillRect/>
+          </a:stretch>
+        </p:blipFill>
+        <p:spPr bwMode="auto">
+          <a:xfrm>
+            <a:off x="11274805" y="0"/>
+            <a:ext cx="917196" cy="917196"/>
+          </a:xfrm>
+          <a:prstGeom prst="rect">
+            <a:avLst/>
+          </a:prstGeom>
+          <a:noFill/>
+          <a:extLst>
+            <a:ext uri="{909E8E84-426E-40DD-AFC4-6F175D3DCCD1}">
+              <a14:hiddenFill xmlns:a14="http://schemas.microsoft.com/office/drawing/2010/main">
+                <a:solidFill>
+                  <a:srgbClr val="FFFFFF"/>
+                </a:solidFill>
+              </a14:hiddenFill>
+            </a:ext>
+          </a:extLst>
+        </p:spPr>
+      </p:pic>
+      <p:sp>
+        <p:nvSpPr>
+          <p:cNvPr id="12" name="직사각형 11">
+            <a:extLst>
+              <a:ext uri="{FF2B5EF4-FFF2-40B4-BE49-F238E27FC236}">
+                <a16:creationId xmlns:a16="http://schemas.microsoft.com/office/drawing/2014/main" id="{A3A14FAA-3FDF-1202-ABBF-A5933F01A6D1}"/>
+              </a:ext>
+            </a:extLst>
+          </p:cNvPr>
+          <p:cNvSpPr/>
+          <p:nvPr/>
+        </p:nvSpPr>
+        <p:spPr>
+          <a:xfrm>
+            <a:off x="7010997" y="1501990"/>
+            <a:ext cx="4674836" cy="671979"/>
+          </a:xfrm>
+          <a:prstGeom prst="rect">
+            <a:avLst/>
+          </a:prstGeom>
+        </p:spPr>
+        <p:txBody>
+          <a:bodyPr wrap="square">
+            <a:spAutoFit/>
+          </a:bodyPr>
+          <a:lstStyle/>
+          <a:p>
+            <a:pPr marL="198755" latinLnBrk="0">
+              <a:spcBef>
+                <a:spcPts val="2205"/>
+              </a:spcBef>
+            </a:pPr>
+            <a:endParaRPr lang="ko-KR" altLang="en-US" kern="0" dirty="0">
+              <a:solidFill>
+                <a:srgbClr val="00B0F0"/>
+              </a:solidFill>
+              <a:latin typeface="Calibri" panose="020F0502020204030204" pitchFamily="34" charset="0"/>
+              <a:cs typeface="맑은 고딕" panose="020B0503020000020004" pitchFamily="50" charset="-127"/>
+            </a:endParaRPr>
+          </a:p>
+          <a:p>
+            <a:pPr marL="342900" marR="186055" lvl="0" indent="-342900" algn="l" latinLnBrk="0">
+              <a:spcBef>
+                <a:spcPts val="220"/>
+              </a:spcBef>
+              <a:spcAft>
+                <a:spcPts val="0"/>
+              </a:spcAft>
+              <a:buClr>
+                <a:srgbClr val="000000"/>
+              </a:buClr>
+              <a:buSzPts val="1100"/>
+              <a:buFont typeface="바탕" panose="02030600000101010101" pitchFamily="18" charset="-127"/>
+              <a:buChar char="-"/>
+            </a:pPr>
+            <a:r>
+              <a:rPr lang="ko-KR" altLang="en-US" sz="1800" kern="100">
+                <a:solidFill>
+                  <a:srgbClr val="00B0F0"/>
+                </a:solidFill>
+                <a:effectLst/>
+                <a:latin typeface="Calibri" panose="020F0502020204030204" pitchFamily="34" charset="0"/>
+                <a:ea typeface="맑은 고딕" panose="020B0503020000020004" pitchFamily="50" charset="-127"/>
+                <a:cs typeface="바탕" panose="02030600000101010101" pitchFamily="18" charset="-127"/>
+              </a:rPr>
+              <a:t>앱 디자인 틀 제작 </a:t>
+            </a:r>
+            <a:r>
+              <a:rPr lang="ko-KR" altLang="en-US" sz="1800" kern="100" dirty="0">
+                <a:solidFill>
+                  <a:srgbClr val="00B0F0"/>
+                </a:solidFill>
+                <a:effectLst/>
+                <a:latin typeface="Calibri" panose="020F0502020204030204" pitchFamily="34" charset="0"/>
+                <a:ea typeface="맑은 고딕" panose="020B0503020000020004" pitchFamily="50" charset="-127"/>
+                <a:cs typeface="바탕" panose="02030600000101010101" pitchFamily="18" charset="-127"/>
+              </a:rPr>
+              <a:t>완료</a:t>
+            </a:r>
+            <a:endParaRPr lang="ko-KR" altLang="ko-KR" sz="1800" kern="100" dirty="0">
+              <a:solidFill>
+                <a:srgbClr val="00B0F0"/>
+              </a:solidFill>
+              <a:effectLst/>
+              <a:latin typeface="Calibri" panose="020F0502020204030204" pitchFamily="34" charset="0"/>
+              <a:ea typeface="맑은 고딕" panose="020B0503020000020004" pitchFamily="50" charset="-127"/>
+              <a:cs typeface="바탕" panose="02030600000101010101" pitchFamily="18" charset="-127"/>
+            </a:endParaRPr>
+          </a:p>
+        </p:txBody>
+      </p:sp>
+      <p:sp>
+        <p:nvSpPr>
+          <p:cNvPr id="6" name="직사각형 5">
+            <a:extLst>
+              <a:ext uri="{FF2B5EF4-FFF2-40B4-BE49-F238E27FC236}">
+                <a16:creationId xmlns:a16="http://schemas.microsoft.com/office/drawing/2014/main" id="{FEB0E3FB-1BE9-492B-4B54-6D1BFAC22DCA}"/>
+              </a:ext>
+            </a:extLst>
+          </p:cNvPr>
+          <p:cNvSpPr/>
+          <p:nvPr/>
+        </p:nvSpPr>
+        <p:spPr>
+          <a:xfrm>
+            <a:off x="732692" y="1319814"/>
+            <a:ext cx="2684585" cy="5339862"/>
+          </a:xfrm>
+          <a:prstGeom prst="rect">
+            <a:avLst/>
+          </a:prstGeom>
+          <a:solidFill>
+            <a:srgbClr val="00B0F0"/>
+          </a:solidFill>
+          <a:ln>
+            <a:noFill/>
+          </a:ln>
+        </p:spPr>
+        <p:style>
+          <a:lnRef idx="2">
+            <a:schemeClr val="accent1">
+              <a:shade val="50000"/>
+            </a:schemeClr>
+          </a:lnRef>
+          <a:fillRef idx="1">
+            <a:schemeClr val="accent1"/>
+          </a:fillRef>
+          <a:effectRef idx="0">
+            <a:schemeClr val="accent1"/>
+          </a:effectRef>
+          <a:fontRef idx="minor">
+            <a:schemeClr val="lt1"/>
+          </a:fontRef>
+        </p:style>
+        <p:txBody>
+          <a:bodyPr rtlCol="0" anchor="ctr"/>
+          <a:lstStyle/>
+          <a:p>
+            <a:pPr algn="ctr"/>
+            <a:endParaRPr lang="ko-KR" altLang="en-US" dirty="0"/>
+          </a:p>
+        </p:txBody>
+      </p:sp>
+      <p:pic>
+        <p:nvPicPr>
+          <p:cNvPr id="8" name="그래픽 7">
+            <a:extLst>
+              <a:ext uri="{FF2B5EF4-FFF2-40B4-BE49-F238E27FC236}">
+                <a16:creationId xmlns:a16="http://schemas.microsoft.com/office/drawing/2014/main" id="{10FAD4E8-F214-B80B-A555-28AAF026FB5A}"/>
+              </a:ext>
+            </a:extLst>
+          </p:cNvPr>
+          <p:cNvPicPr>
+            <a:picLocks noChangeAspect="1"/>
+          </p:cNvPicPr>
+          <p:nvPr/>
+        </p:nvPicPr>
+        <p:blipFill>
+          <a:blip r:embed="rId3">
+            <a:extLst>
+              <a:ext uri="{96DAC541-7B7A-43D3-8B79-37D633B846F1}">
+                <asvg:svgBlip xmlns:asvg="http://schemas.microsoft.com/office/drawing/2016/SVG/main" r:embed="rId4"/>
+              </a:ext>
+            </a:extLst>
+          </a:blip>
+          <a:stretch>
+            <a:fillRect/>
+          </a:stretch>
+        </p:blipFill>
+        <p:spPr>
+          <a:xfrm>
+            <a:off x="864023" y="1501990"/>
+            <a:ext cx="2418439" cy="4971235"/>
+          </a:xfrm>
+          <a:prstGeom prst="rect">
+            <a:avLst/>
+          </a:prstGeom>
+        </p:spPr>
+      </p:pic>
+      <p:sp>
+        <p:nvSpPr>
+          <p:cNvPr id="13" name="직사각형 12">
+            <a:extLst>
+              <a:ext uri="{FF2B5EF4-FFF2-40B4-BE49-F238E27FC236}">
+                <a16:creationId xmlns:a16="http://schemas.microsoft.com/office/drawing/2014/main" id="{CC6300A1-E31E-3B22-3114-9C5F1C2744C1}"/>
+              </a:ext>
+            </a:extLst>
+          </p:cNvPr>
+          <p:cNvSpPr/>
+          <p:nvPr/>
+        </p:nvSpPr>
+        <p:spPr>
+          <a:xfrm>
+            <a:off x="3657228" y="1319814"/>
+            <a:ext cx="2684585" cy="5339862"/>
+          </a:xfrm>
+          <a:prstGeom prst="rect">
+            <a:avLst/>
+          </a:prstGeom>
+          <a:solidFill>
+            <a:srgbClr val="00B0F0"/>
+          </a:solidFill>
+          <a:ln>
+            <a:noFill/>
+          </a:ln>
+        </p:spPr>
+        <p:style>
+          <a:lnRef idx="2">
+            <a:schemeClr val="accent1">
+              <a:shade val="50000"/>
+            </a:schemeClr>
+          </a:lnRef>
+          <a:fillRef idx="1">
+            <a:schemeClr val="accent1"/>
+          </a:fillRef>
+          <a:effectRef idx="0">
+            <a:schemeClr val="accent1"/>
+          </a:effectRef>
+          <a:fontRef idx="minor">
+            <a:schemeClr val="lt1"/>
+          </a:fontRef>
+        </p:style>
+        <p:txBody>
+          <a:bodyPr rtlCol="0" anchor="ctr"/>
+          <a:lstStyle/>
+          <a:p>
+            <a:pPr algn="ctr"/>
+            <a:endParaRPr lang="ko-KR" altLang="en-US" dirty="0"/>
+          </a:p>
+        </p:txBody>
+      </p:sp>
+      <p:pic>
+        <p:nvPicPr>
+          <p:cNvPr id="14" name="그래픽 13">
+            <a:extLst>
+              <a:ext uri="{FF2B5EF4-FFF2-40B4-BE49-F238E27FC236}">
+                <a16:creationId xmlns:a16="http://schemas.microsoft.com/office/drawing/2014/main" id="{E91337BC-7D85-C58A-E807-73A9101A59B3}"/>
+              </a:ext>
+            </a:extLst>
+          </p:cNvPr>
+          <p:cNvPicPr>
+            <a:picLocks noChangeAspect="1"/>
+          </p:cNvPicPr>
+          <p:nvPr/>
+        </p:nvPicPr>
+        <p:blipFill>
+          <a:blip r:embed="rId5">
+            <a:extLst>
+              <a:ext uri="{96DAC541-7B7A-43D3-8B79-37D633B846F1}">
+                <asvg:svgBlip xmlns:asvg="http://schemas.microsoft.com/office/drawing/2016/SVG/main" r:embed="rId6"/>
+              </a:ext>
+            </a:extLst>
+          </a:blip>
+          <a:stretch>
+            <a:fillRect/>
+          </a:stretch>
+        </p:blipFill>
+        <p:spPr>
+          <a:xfrm>
+            <a:off x="3787566" y="1501990"/>
+            <a:ext cx="2418438" cy="4971235"/>
+          </a:xfrm>
+          <a:prstGeom prst="rect">
+            <a:avLst/>
+          </a:prstGeom>
+        </p:spPr>
+      </p:pic>
+    </p:spTree>
+    <p:extLst>
+      <p:ext uri="{BB962C8B-B14F-4D97-AF65-F5344CB8AC3E}">
+        <p14:creationId xmlns:p14="http://schemas.microsoft.com/office/powerpoint/2010/main" val="1474804885"/>
       </p:ext>
     </p:extLst>
   </p:cSld>
